--- a/Presentation/OOP_Pres.pptx
+++ b/Presentation/OOP_Pres.pptx
@@ -4326,56 +4326,40 @@
           <a:p>
             <a:pPr lvl="1"/>
             <a:r>
-              <a:rPr lang="en-US" altLang="ko-KR" dirty="0" err="1"/>
-              <a:t>CaffeClerk</a:t>
-            </a:r>
-            <a:r>
-              <a:rPr lang="ko-KR" altLang="en-US" dirty="0"/>
-              <a:t> 클래스의 </a:t>
-            </a:r>
-            <a:r>
-              <a:rPr lang="en-US" altLang="ko-KR" dirty="0" err="1"/>
-              <a:t>makeBill</a:t>
+              <a:rPr lang="ko-KR" altLang="en-US" dirty="0"/>
+              <a:t>현재 프로그램에 구현을 하지 않았지만</a:t>
             </a:r>
             <a:r>
               <a:rPr lang="en-US" altLang="ko-KR" dirty="0"/>
-              <a:t> </a:t>
-            </a:r>
-            <a:r>
-              <a:rPr lang="ko-KR" altLang="en-US" dirty="0"/>
-              <a:t>함수를 확장하면 가능하다</a:t>
-            </a:r>
-            <a:endParaRPr lang="en-US" altLang="ko-KR" dirty="0"/>
+              <a:t>, </a:t>
+            </a:r>
+            <a:r>
+              <a:rPr lang="ko-KR" altLang="en-US" dirty="0"/>
+              <a:t>이벤트를 관리하는 클래스를 추가하면 된다</a:t>
+            </a:r>
+            <a:r>
+              <a:rPr lang="en-US" altLang="ko-KR" dirty="0"/>
+              <a:t>.</a:t>
+            </a:r>
           </a:p>
           <a:p>
             <a:pPr lvl="1"/>
             <a:r>
-              <a:rPr lang="ko-KR" altLang="en-US" dirty="0"/>
-              <a:t>이벤트 대상에 해당되는 조건이 확인하는 기능</a:t>
-            </a:r>
-            <a:r>
-              <a:rPr lang="en-US" altLang="ko-KR" dirty="0"/>
-              <a:t>,</a:t>
-            </a:r>
-            <a:r>
-              <a:rPr lang="ko-KR" altLang="en-US" dirty="0"/>
-              <a:t> 가격을 조정하는 기능을 가진 함수를 </a:t>
-            </a:r>
-            <a:r>
-              <a:rPr lang="ko-KR" altLang="en-US"/>
-              <a:t>추가하면 된다</a:t>
+              <a:rPr lang="ko-KR" altLang="en-US"/>
+              <a:t>이벤트 조건에 맞는지 </a:t>
+            </a:r>
+            <a:r>
+              <a:rPr lang="ko-KR" altLang="en-US" dirty="0"/>
+              <a:t>검사하는 함수들과 </a:t>
+            </a:r>
+            <a:r>
+              <a:rPr lang="ko-KR" altLang="en-US"/>
+              <a:t>결과 가격을 출력하는 함수만 추가하면 대응할 수 있다</a:t>
             </a:r>
             <a:r>
               <a:rPr lang="en-US" altLang="ko-KR"/>
               <a:t>.</a:t>
             </a:r>
-            <a:endParaRPr lang="en-US" altLang="ko-KR" dirty="0"/>
-          </a:p>
-          <a:p>
-            <a:pPr lvl="1"/>
-            <a:endParaRPr lang="en-US" altLang="ko-KR" dirty="0"/>
-          </a:p>
-          <a:p>
             <a:endParaRPr lang="en-US" altLang="ko-KR" dirty="0"/>
           </a:p>
         </p:txBody>
